--- a/variables/variables.pptx
+++ b/variables/variables.pptx
@@ -19,8 +19,8 @@
     <p:sldId id="281" r:id="rId13"/>
     <p:sldId id="269" r:id="rId14"/>
     <p:sldId id="272" r:id="rId15"/>
-    <p:sldId id="275" r:id="rId16"/>
-    <p:sldId id="274" r:id="rId17"/>
+    <p:sldId id="274" r:id="rId16"/>
+    <p:sldId id="275" r:id="rId17"/>
     <p:sldId id="279" r:id="rId18"/>
     <p:sldId id="280" r:id="rId19"/>
   </p:sldIdLst>
@@ -3692,8 +3692,8 @@
         </p:blipFill>
         <p:spPr>
           <a:xfrm>
-            <a:off x="2946540" y="16584"/>
-            <a:ext cx="6197460" cy="3429001"/>
+            <a:off x="2952727" y="10766"/>
+            <a:ext cx="6191273" cy="3551583"/>
           </a:xfrm>
           <a:prstGeom prst="rect">
             <a:avLst/>
@@ -3724,7 +3724,7 @@
           <a:p>
             <a:r>
               <a:rPr lang="en-US" sz="4800" dirty="0" smtClean="0"/>
-              <a:t>pray</a:t>
+              <a:t>obey</a:t>
             </a:r>
             <a:endParaRPr lang="en-US" sz="4800" dirty="0"/>
           </a:p>
@@ -3733,7 +3733,7 @@
     </p:spTree>
     <p:extLst>
       <p:ext uri="{BB962C8B-B14F-4D97-AF65-F5344CB8AC3E}">
-        <p14:creationId xmlns:p14="http://schemas.microsoft.com/office/powerpoint/2010/main" val="4254737458"/>
+        <p14:creationId xmlns:p14="http://schemas.microsoft.com/office/powerpoint/2010/main" val="880917368"/>
       </p:ext>
     </p:extLst>
   </p:cSld>
@@ -3789,8 +3789,8 @@
         </p:blipFill>
         <p:spPr>
           <a:xfrm>
-            <a:off x="2952727" y="10766"/>
-            <a:ext cx="6191273" cy="3551583"/>
+            <a:off x="2946540" y="16584"/>
+            <a:ext cx="6197460" cy="3429001"/>
           </a:xfrm>
           <a:prstGeom prst="rect">
             <a:avLst/>
@@ -3821,7 +3821,7 @@
           <a:p>
             <a:r>
               <a:rPr lang="en-US" sz="4800" dirty="0" smtClean="0"/>
-              <a:t>obey</a:t>
+              <a:t>pray</a:t>
             </a:r>
             <a:endParaRPr lang="en-US" sz="4800" dirty="0"/>
           </a:p>
@@ -3830,7 +3830,7 @@
     </p:spTree>
     <p:extLst>
       <p:ext uri="{BB962C8B-B14F-4D97-AF65-F5344CB8AC3E}">
-        <p14:creationId xmlns:p14="http://schemas.microsoft.com/office/powerpoint/2010/main" val="880917368"/>
+        <p14:creationId xmlns:p14="http://schemas.microsoft.com/office/powerpoint/2010/main" val="4254737458"/>
       </p:ext>
     </p:extLst>
   </p:cSld>
